--- a/camera_ready/figures/Algorithm_outline.pptx
+++ b/camera_ready/figures/Algorithm_outline.pptx
@@ -243,7 +243,7 @@
           <a:p>
             <a:fld id="{FA39FE8A-B5A3-4DD0-871D-56C8518DA090}" type="datetimeFigureOut">
               <a:rPr lang="en-US" smtClean="0"/>
-              <a:t>10/27/20</a:t>
+              <a:t>2/28/21</a:t>
             </a:fld>
             <a:endParaRPr lang="en-US"/>
           </a:p>
@@ -413,7 +413,7 @@
           <a:p>
             <a:fld id="{FA39FE8A-B5A3-4DD0-871D-56C8518DA090}" type="datetimeFigureOut">
               <a:rPr lang="en-US" smtClean="0"/>
-              <a:t>10/27/20</a:t>
+              <a:t>2/28/21</a:t>
             </a:fld>
             <a:endParaRPr lang="en-US"/>
           </a:p>
@@ -593,7 +593,7 @@
           <a:p>
             <a:fld id="{FA39FE8A-B5A3-4DD0-871D-56C8518DA090}" type="datetimeFigureOut">
               <a:rPr lang="en-US" smtClean="0"/>
-              <a:t>10/27/20</a:t>
+              <a:t>2/28/21</a:t>
             </a:fld>
             <a:endParaRPr lang="en-US"/>
           </a:p>
@@ -763,7 +763,7 @@
           <a:p>
             <a:fld id="{FA39FE8A-B5A3-4DD0-871D-56C8518DA090}" type="datetimeFigureOut">
               <a:rPr lang="en-US" smtClean="0"/>
-              <a:t>10/27/20</a:t>
+              <a:t>2/28/21</a:t>
             </a:fld>
             <a:endParaRPr lang="en-US"/>
           </a:p>
@@ -1009,7 +1009,7 @@
           <a:p>
             <a:fld id="{FA39FE8A-B5A3-4DD0-871D-56C8518DA090}" type="datetimeFigureOut">
               <a:rPr lang="en-US" smtClean="0"/>
-              <a:t>10/27/20</a:t>
+              <a:t>2/28/21</a:t>
             </a:fld>
             <a:endParaRPr lang="en-US"/>
           </a:p>
@@ -1241,7 +1241,7 @@
           <a:p>
             <a:fld id="{FA39FE8A-B5A3-4DD0-871D-56C8518DA090}" type="datetimeFigureOut">
               <a:rPr lang="en-US" smtClean="0"/>
-              <a:t>10/27/20</a:t>
+              <a:t>2/28/21</a:t>
             </a:fld>
             <a:endParaRPr lang="en-US"/>
           </a:p>
@@ -1608,7 +1608,7 @@
           <a:p>
             <a:fld id="{FA39FE8A-B5A3-4DD0-871D-56C8518DA090}" type="datetimeFigureOut">
               <a:rPr lang="en-US" smtClean="0"/>
-              <a:t>10/27/20</a:t>
+              <a:t>2/28/21</a:t>
             </a:fld>
             <a:endParaRPr lang="en-US"/>
           </a:p>
@@ -1726,7 +1726,7 @@
           <a:p>
             <a:fld id="{FA39FE8A-B5A3-4DD0-871D-56C8518DA090}" type="datetimeFigureOut">
               <a:rPr lang="en-US" smtClean="0"/>
-              <a:t>10/27/20</a:t>
+              <a:t>2/28/21</a:t>
             </a:fld>
             <a:endParaRPr lang="en-US"/>
           </a:p>
@@ -1821,7 +1821,7 @@
           <a:p>
             <a:fld id="{FA39FE8A-B5A3-4DD0-871D-56C8518DA090}" type="datetimeFigureOut">
               <a:rPr lang="en-US" smtClean="0"/>
-              <a:t>10/27/20</a:t>
+              <a:t>2/28/21</a:t>
             </a:fld>
             <a:endParaRPr lang="en-US"/>
           </a:p>
@@ -2098,7 +2098,7 @@
           <a:p>
             <a:fld id="{FA39FE8A-B5A3-4DD0-871D-56C8518DA090}" type="datetimeFigureOut">
               <a:rPr lang="en-US" smtClean="0"/>
-              <a:t>10/27/20</a:t>
+              <a:t>2/28/21</a:t>
             </a:fld>
             <a:endParaRPr lang="en-US"/>
           </a:p>
@@ -2355,7 +2355,7 @@
           <a:p>
             <a:fld id="{FA39FE8A-B5A3-4DD0-871D-56C8518DA090}" type="datetimeFigureOut">
               <a:rPr lang="en-US" smtClean="0"/>
-              <a:t>10/27/20</a:t>
+              <a:t>2/28/21</a:t>
             </a:fld>
             <a:endParaRPr lang="en-US"/>
           </a:p>
@@ -2568,7 +2568,7 @@
           <a:p>
             <a:fld id="{FA39FE8A-B5A3-4DD0-871D-56C8518DA090}" type="datetimeFigureOut">
               <a:rPr lang="en-US" smtClean="0"/>
-              <a:t>10/27/20</a:t>
+              <a:t>2/28/21</a:t>
             </a:fld>
             <a:endParaRPr lang="en-US"/>
           </a:p>
@@ -3081,7 +3081,7 @@
           <a:p>
             <a:pPr algn="ctr"/>
             <a:r>
-              <a:rPr lang="en-US" dirty="0">
+              <a:rPr lang="en-US" sz="2400" dirty="0">
                 <a:ln w="0"/>
                 <a:solidFill>
                   <a:schemeClr val="tx1"/>
@@ -3096,7 +3096,7 @@
                 <a:latin typeface="Arial" panose="020B0604020202020204" pitchFamily="34" charset="0"/>
                 <a:cs typeface="Arial" panose="020B0604020202020204" pitchFamily="34" charset="0"/>
               </a:rPr>
-              <a:t>Reference open loop trajectory planner</a:t>
+              <a:t>Reference open-loop trajectory planner</a:t>
             </a:r>
           </a:p>
         </p:txBody>
@@ -3446,8 +3446,8 @@
           </a:p>
         </p:txBody>
       </p:sp>
-      <mc:AlternateContent xmlns:mc="http://schemas.openxmlformats.org/markup-compatibility/2006" xmlns:a14="http://schemas.microsoft.com/office/drawing/2010/main">
-        <mc:Choice Requires="a14">
+      <mc:AlternateContent xmlns:mc="http://schemas.openxmlformats.org/markup-compatibility/2006">
+        <mc:Choice xmlns:a14="http://schemas.microsoft.com/office/drawing/2010/main" Requires="a14">
           <p:sp>
             <p:nvSpPr>
               <p:cNvPr id="16" name="TextBox 15">
@@ -3463,7 +3463,7 @@
             <p:spPr>
               <a:xfrm>
                 <a:off x="4510090" y="1391133"/>
-                <a:ext cx="357296" cy="345523"/>
+                <a:ext cx="320344" cy="307777"/>
               </a:xfrm>
               <a:prstGeom prst="rect">
                 <a:avLst/>
@@ -3486,14 +3486,14 @@
                       <m:sSub>
                         <m:sSubPr>
                           <m:ctrlPr>
-                            <a:rPr lang="en-US" i="1" smtClean="0">
+                            <a:rPr lang="en-US" sz="2000" i="1" smtClean="0">
                               <a:latin typeface="Cambria Math" panose="02040503050406030204" pitchFamily="18" charset="0"/>
                             </a:rPr>
                           </m:ctrlPr>
                         </m:sSubPr>
                         <m:e>
                           <m:r>
-                            <a:rPr lang="en-US" b="0" i="1" smtClean="0">
+                            <a:rPr lang="en-US" sz="2000" b="0" i="1" smtClean="0">
                               <a:latin typeface="Cambria Math" panose="02040503050406030204" pitchFamily="18" charset="0"/>
                             </a:rPr>
                             <m:t>𝜌</m:t>
@@ -3501,7 +3501,7 @@
                         </m:e>
                         <m:sub>
                           <m:r>
-                            <a:rPr lang="en-US" i="1">
+                            <a:rPr lang="en-US" sz="2000" i="1">
                               <a:latin typeface="Cambria Math" panose="02040503050406030204" pitchFamily="18" charset="0"/>
                             </a:rPr>
                             <m:t>1</m:t>
@@ -3511,7 +3511,7 @@
                     </m:oMath>
                   </m:oMathPara>
                 </a14:m>
-                <a:endParaRPr lang="en-US" dirty="0">
+                <a:endParaRPr lang="en-US" sz="2000" dirty="0">
                   <a:latin typeface="Arial" panose="020B0604020202020204" pitchFamily="34" charset="0"/>
                   <a:cs typeface="Arial" panose="020B0604020202020204" pitchFamily="34" charset="0"/>
                 </a:endParaRPr>
@@ -3519,7 +3519,7 @@
             </p:txBody>
           </p:sp>
         </mc:Choice>
-        <mc:Fallback xmlns="">
+        <mc:Fallback>
           <p:sp>
             <p:nvSpPr>
               <p:cNvPr id="16" name="TextBox 15">
@@ -3537,7 +3537,7 @@
             <p:spPr>
               <a:xfrm>
                 <a:off x="4510090" y="1391133"/>
-                <a:ext cx="357296" cy="345523"/>
+                <a:ext cx="320344" cy="307777"/>
               </a:xfrm>
               <a:prstGeom prst="rect">
                 <a:avLst/>
@@ -3545,7 +3545,7 @@
               <a:blipFill>
                 <a:blip r:embed="rId2"/>
                 <a:stretch>
-                  <a:fillRect l="-5172" b="-1754"/>
+                  <a:fillRect l="-11538" r="-3846" b="-20000"/>
                 </a:stretch>
               </a:blipFill>
             </p:spPr>
@@ -3554,7 +3554,7 @@
               <a:lstStyle/>
               <a:p>
                 <a:r>
-                  <a:rPr lang="en-US">
+                  <a:rPr lang="en-GB">
                     <a:noFill/>
                   </a:rPr>
                   <a:t> </a:t>
@@ -3578,8 +3578,8 @@
         </p:nvSpPr>
         <p:spPr>
           <a:xfrm rot="16200000">
-            <a:off x="4246337" y="2540108"/>
-            <a:ext cx="664361" cy="276999"/>
+            <a:off x="4246337" y="2605744"/>
+            <a:ext cx="664361" cy="307777"/>
           </a:xfrm>
           <a:prstGeom prst="rect">
             <a:avLst/>
@@ -3593,7 +3593,7 @@
           <a:lstStyle/>
           <a:p>
             <a:r>
-              <a:rPr lang="en-US" dirty="0">
+              <a:rPr lang="en-US" sz="2000" dirty="0">
                 <a:latin typeface="Arial" panose="020B0604020202020204" pitchFamily="34" charset="0"/>
                 <a:cs typeface="Arial" panose="020B0604020202020204" pitchFamily="34" charset="0"/>
               </a:rPr>
@@ -3654,12 +3654,12 @@
         </p:nvSpPr>
         <p:spPr>
           <a:xfrm>
-            <a:off x="9508410" y="1757902"/>
+            <a:off x="9369510" y="1757902"/>
             <a:ext cx="296204" cy="2050569"/>
           </a:xfrm>
           <a:prstGeom prst="rightBrace">
             <a:avLst>
-              <a:gd name="adj1" fmla="val 62054"/>
+              <a:gd name="adj1" fmla="val 69869"/>
               <a:gd name="adj2" fmla="val 46862"/>
             </a:avLst>
           </a:prstGeom>
@@ -3705,8 +3705,8 @@
         </p:nvSpPr>
         <p:spPr>
           <a:xfrm>
-            <a:off x="10134985" y="2261075"/>
-            <a:ext cx="1611486" cy="923331"/>
+            <a:off x="9641096" y="2190196"/>
+            <a:ext cx="1771542" cy="1015663"/>
           </a:xfrm>
           <a:prstGeom prst="rect">
             <a:avLst/>
@@ -3720,11 +3720,11 @@
           <a:lstStyle/>
           <a:p>
             <a:r>
-              <a:rPr lang="en-US" dirty="0">
+              <a:rPr lang="en-US" sz="2000" dirty="0">
                 <a:latin typeface="Arial" panose="020B0604020202020204" pitchFamily="34" charset="0"/>
                 <a:cs typeface="Arial" panose="020B0604020202020204" pitchFamily="34" charset="0"/>
               </a:rPr>
-              <a:t>Decentralized closed loop controllers</a:t>
+              <a:t>Decentralized feedback controllers</a:t>
             </a:r>
           </a:p>
         </p:txBody>
@@ -3827,8 +3827,8 @@
           </a:p>
         </p:txBody>
       </p:sp>
-      <mc:AlternateContent xmlns:mc="http://schemas.openxmlformats.org/markup-compatibility/2006" xmlns:a14="http://schemas.microsoft.com/office/drawing/2010/main">
-        <mc:Choice Requires="a14">
+      <mc:AlternateContent xmlns:mc="http://schemas.openxmlformats.org/markup-compatibility/2006">
+        <mc:Choice xmlns:a14="http://schemas.microsoft.com/office/drawing/2010/main" Requires="a14">
           <p:sp>
             <p:nvSpPr>
               <p:cNvPr id="56" name="TextBox 55">
@@ -3844,7 +3844,7 @@
             <p:spPr>
               <a:xfrm>
                 <a:off x="4505543" y="2085235"/>
-                <a:ext cx="363882" cy="345523"/>
+                <a:ext cx="326308" cy="307777"/>
               </a:xfrm>
               <a:prstGeom prst="rect">
                 <a:avLst/>
@@ -3867,14 +3867,14 @@
                       <m:sSub>
                         <m:sSubPr>
                           <m:ctrlPr>
-                            <a:rPr lang="en-US" i="1" smtClean="0">
+                            <a:rPr lang="en-US" sz="2000" i="1" smtClean="0">
                               <a:latin typeface="Cambria Math" panose="02040503050406030204" pitchFamily="18" charset="0"/>
                             </a:rPr>
                           </m:ctrlPr>
                         </m:sSubPr>
                         <m:e>
                           <m:r>
-                            <a:rPr lang="en-US" b="0" i="1" smtClean="0">
+                            <a:rPr lang="en-US" sz="2000" b="0" i="1" smtClean="0">
                               <a:latin typeface="Cambria Math" panose="02040503050406030204" pitchFamily="18" charset="0"/>
                             </a:rPr>
                             <m:t>𝜌</m:t>
@@ -3882,7 +3882,7 @@
                         </m:e>
                         <m:sub>
                           <m:r>
-                            <a:rPr lang="en-US" b="0" i="1" smtClean="0">
+                            <a:rPr lang="en-US" sz="2000" b="0" i="1" smtClean="0">
                               <a:latin typeface="Cambria Math" panose="02040503050406030204" pitchFamily="18" charset="0"/>
                             </a:rPr>
                             <m:t>2</m:t>
@@ -3892,7 +3892,7 @@
                     </m:oMath>
                   </m:oMathPara>
                 </a14:m>
-                <a:endParaRPr lang="en-US" dirty="0">
+                <a:endParaRPr lang="en-US" sz="2000" dirty="0">
                   <a:latin typeface="Arial" panose="020B0604020202020204" pitchFamily="34" charset="0"/>
                   <a:cs typeface="Arial" panose="020B0604020202020204" pitchFamily="34" charset="0"/>
                 </a:endParaRPr>
@@ -3900,7 +3900,7 @@
             </p:txBody>
           </p:sp>
         </mc:Choice>
-        <mc:Fallback xmlns="">
+        <mc:Fallback>
           <p:sp>
             <p:nvSpPr>
               <p:cNvPr id="56" name="TextBox 55">
@@ -3918,7 +3918,7 @@
             <p:spPr>
               <a:xfrm>
                 <a:off x="4505543" y="2085235"/>
-                <a:ext cx="363882" cy="345523"/>
+                <a:ext cx="326308" cy="307777"/>
               </a:xfrm>
               <a:prstGeom prst="rect">
                 <a:avLst/>
@@ -3926,7 +3926,7 @@
               <a:blipFill>
                 <a:blip r:embed="rId3"/>
                 <a:stretch>
-                  <a:fillRect l="-3448" b="-3571"/>
+                  <a:fillRect l="-15385" r="-3846" b="-20000"/>
                 </a:stretch>
               </a:blipFill>
             </p:spPr>
@@ -3935,7 +3935,7 @@
               <a:lstStyle/>
               <a:p>
                 <a:r>
-                  <a:rPr lang="en-US">
+                  <a:rPr lang="en-GB">
                     <a:noFill/>
                   </a:rPr>
                   <a:t> </a:t>
@@ -3945,8 +3945,8 @@
           </p:sp>
         </mc:Fallback>
       </mc:AlternateContent>
-      <mc:AlternateContent xmlns:mc="http://schemas.openxmlformats.org/markup-compatibility/2006" xmlns:a14="http://schemas.microsoft.com/office/drawing/2010/main">
-        <mc:Choice Requires="a14">
+      <mc:AlternateContent xmlns:mc="http://schemas.openxmlformats.org/markup-compatibility/2006">
+        <mc:Choice xmlns:a14="http://schemas.microsoft.com/office/drawing/2010/main" Requires="a14">
           <p:sp>
             <p:nvSpPr>
               <p:cNvPr id="58" name="TextBox 57">
@@ -3961,8 +3961,8 @@
             </p:nvSpPr>
             <p:spPr>
               <a:xfrm>
-                <a:off x="4485050" y="3093024"/>
-                <a:ext cx="379201" cy="345523"/>
+                <a:off x="4485050" y="3197199"/>
+                <a:ext cx="340478" cy="307777"/>
               </a:xfrm>
               <a:prstGeom prst="rect">
                 <a:avLst/>
@@ -3985,14 +3985,14 @@
                       <m:sSub>
                         <m:sSubPr>
                           <m:ctrlPr>
-                            <a:rPr lang="en-US" i="1" smtClean="0">
+                            <a:rPr lang="en-US" sz="2000" i="1" smtClean="0">
                               <a:latin typeface="Cambria Math" panose="02040503050406030204" pitchFamily="18" charset="0"/>
                             </a:rPr>
                           </m:ctrlPr>
                         </m:sSubPr>
                         <m:e>
                           <m:r>
-                            <a:rPr lang="en-US" b="0" i="1" smtClean="0">
+                            <a:rPr lang="en-US" sz="2000" b="0" i="1" smtClean="0">
                               <a:latin typeface="Cambria Math" panose="02040503050406030204" pitchFamily="18" charset="0"/>
                             </a:rPr>
                             <m:t>𝜌</m:t>
@@ -4000,7 +4000,7 @@
                         </m:e>
                         <m:sub>
                           <m:r>
-                            <a:rPr lang="en-US" b="0" i="1" smtClean="0">
+                            <a:rPr lang="en-US" sz="2000" b="0" i="1" smtClean="0">
                               <a:latin typeface="Cambria Math" panose="02040503050406030204" pitchFamily="18" charset="0"/>
                             </a:rPr>
                             <m:t>𝑛</m:t>
@@ -4010,7 +4010,7 @@
                     </m:oMath>
                   </m:oMathPara>
                 </a14:m>
-                <a:endParaRPr lang="en-US" dirty="0">
+                <a:endParaRPr lang="en-US" sz="2000" dirty="0">
                   <a:latin typeface="Arial" panose="020B0604020202020204" pitchFamily="34" charset="0"/>
                   <a:cs typeface="Arial" panose="020B0604020202020204" pitchFamily="34" charset="0"/>
                 </a:endParaRPr>
@@ -4018,7 +4018,7 @@
             </p:txBody>
           </p:sp>
         </mc:Choice>
-        <mc:Fallback xmlns="">
+        <mc:Fallback>
           <p:sp>
             <p:nvSpPr>
               <p:cNvPr id="58" name="TextBox 57">
@@ -4035,8 +4035,8 @@
             </p:nvSpPr>
             <p:spPr>
               <a:xfrm>
-                <a:off x="4485050" y="3093024"/>
-                <a:ext cx="379201" cy="345523"/>
+                <a:off x="4485050" y="3197199"/>
+                <a:ext cx="340478" cy="307777"/>
               </a:xfrm>
               <a:prstGeom prst="rect">
                 <a:avLst/>
@@ -4044,7 +4044,7 @@
               <a:blipFill>
                 <a:blip r:embed="rId4"/>
                 <a:stretch>
-                  <a:fillRect l="-3226" b="-3571"/>
+                  <a:fillRect l="-10714" b="-20833"/>
                 </a:stretch>
               </a:blipFill>
             </p:spPr>
@@ -4053,7 +4053,7 @@
               <a:lstStyle/>
               <a:p>
                 <a:r>
-                  <a:rPr lang="en-US">
+                  <a:rPr lang="en-GB">
                     <a:noFill/>
                   </a:rPr>
                   <a:t> </a:t>
@@ -4063,8 +4063,8 @@
           </p:sp>
         </mc:Fallback>
       </mc:AlternateContent>
-      <mc:AlternateContent xmlns:mc="http://schemas.openxmlformats.org/markup-compatibility/2006" xmlns:a14="http://schemas.microsoft.com/office/drawing/2010/main">
-        <mc:Choice Requires="a14">
+      <mc:AlternateContent xmlns:mc="http://schemas.openxmlformats.org/markup-compatibility/2006">
+        <mc:Choice xmlns:a14="http://schemas.microsoft.com/office/drawing/2010/main" Requires="a14">
           <p:sp>
             <p:nvSpPr>
               <p:cNvPr id="67" name="TextBox 66">
@@ -4079,8 +4079,8 @@
             </p:nvSpPr>
             <p:spPr>
               <a:xfrm>
-                <a:off x="5576981" y="4038023"/>
-                <a:ext cx="1799067" cy="523220"/>
+                <a:off x="5380206" y="4026448"/>
+                <a:ext cx="928337" cy="584775"/>
               </a:xfrm>
               <a:prstGeom prst="rect">
                 <a:avLst/>
@@ -4093,8 +4093,9 @@
               </a:bodyPr>
               <a:lstStyle/>
               <a:p>
+                <a:pPr algn="ctr"/>
                 <a:r>
-                  <a:rPr lang="en-US" sz="1400" dirty="0">
+                  <a:rPr lang="en-US" sz="1600" dirty="0">
                     <a:latin typeface="Arial" panose="020B0604020202020204" pitchFamily="34" charset="0"/>
                     <a:cs typeface="Arial" panose="020B0604020202020204" pitchFamily="34" charset="0"/>
                   </a:rPr>
@@ -4102,24 +4103,24 @@
                 </a:r>
               </a:p>
               <a:p>
-                <a:pPr/>
+                <a:pPr algn="ctr"/>
                 <a14:m>
                   <m:oMathPara xmlns:m="http://schemas.openxmlformats.org/officeDocument/2006/math">
                     <m:oMathParaPr>
-                      <m:jc m:val="left"/>
+                      <m:jc m:val="centerGroup"/>
                     </m:oMathParaPr>
                     <m:oMath xmlns:m="http://schemas.openxmlformats.org/officeDocument/2006/math">
                       <m:sSub>
                         <m:sSubPr>
                           <m:ctrlPr>
-                            <a:rPr lang="en-US" sz="1400" b="0" i="1" smtClean="0">
+                            <a:rPr lang="en-US" sz="1600" b="0" i="1" smtClean="0">
                               <a:latin typeface="Cambria Math" panose="02040503050406030204" pitchFamily="18" charset="0"/>
                             </a:rPr>
                           </m:ctrlPr>
                         </m:sSubPr>
                         <m:e>
                           <m:r>
-                            <a:rPr lang="en-US" sz="1400" b="0" i="1" smtClean="0">
+                            <a:rPr lang="en-US" sz="1600" b="0" i="1" smtClean="0">
                               <a:latin typeface="Cambria Math" panose="02040503050406030204" pitchFamily="18" charset="0"/>
                             </a:rPr>
                             <m:t>𝜂</m:t>
@@ -4127,7 +4128,7 @@
                         </m:e>
                         <m:sub>
                           <m:r>
-                            <a:rPr lang="en-US" sz="1400" b="0" i="1" smtClean="0">
+                            <a:rPr lang="en-US" sz="1600" b="0" i="1" smtClean="0">
                               <a:latin typeface="Cambria Math" panose="02040503050406030204" pitchFamily="18" charset="0"/>
                             </a:rPr>
                             <m:t>𝑥</m:t>
@@ -4135,7 +4136,7 @@
                         </m:sub>
                       </m:sSub>
                       <m:r>
-                        <a:rPr lang="en-US" sz="1400" b="0" i="0" smtClean="0">
+                        <a:rPr lang="en-US" sz="1600" b="0" i="0" smtClean="0">
                           <a:latin typeface="Cambria Math" panose="02040503050406030204" pitchFamily="18" charset="0"/>
                         </a:rPr>
                         <m:t>,</m:t>
@@ -4143,14 +4144,14 @@
                       <m:sSub>
                         <m:sSubPr>
                           <m:ctrlPr>
-                            <a:rPr lang="en-US" sz="1400" b="0" i="1" smtClean="0">
+                            <a:rPr lang="en-US" sz="1600" b="0" i="1" smtClean="0">
                               <a:latin typeface="Cambria Math" panose="02040503050406030204" pitchFamily="18" charset="0"/>
                             </a:rPr>
                           </m:ctrlPr>
                         </m:sSubPr>
                         <m:e>
                           <m:r>
-                            <a:rPr lang="en-US" sz="1400" b="0" i="1" smtClean="0">
+                            <a:rPr lang="en-US" sz="1600" b="0" i="1" smtClean="0">
                               <a:latin typeface="Cambria Math" panose="02040503050406030204" pitchFamily="18" charset="0"/>
                             </a:rPr>
                             <m:t>𝜂</m:t>
@@ -4158,7 +4159,7 @@
                         </m:e>
                         <m:sub>
                           <m:r>
-                            <a:rPr lang="en-US" sz="1400" b="0" i="1" smtClean="0">
+                            <a:rPr lang="en-US" sz="1600" b="0" i="1" smtClean="0">
                               <a:latin typeface="Cambria Math" panose="02040503050406030204" pitchFamily="18" charset="0"/>
                             </a:rPr>
                             <m:t>𝑢</m:t>
@@ -4168,7 +4169,7 @@
                     </m:oMath>
                   </m:oMathPara>
                 </a14:m>
-                <a:endParaRPr lang="en-US" sz="1400" dirty="0">
+                <a:endParaRPr lang="en-US" sz="1600" dirty="0">
                   <a:latin typeface="Arial" panose="020B0604020202020204" pitchFamily="34" charset="0"/>
                   <a:cs typeface="Arial" panose="020B0604020202020204" pitchFamily="34" charset="0"/>
                 </a:endParaRPr>
@@ -4176,7 +4177,7 @@
             </p:txBody>
           </p:sp>
         </mc:Choice>
-        <mc:Fallback xmlns="">
+        <mc:Fallback>
           <p:sp>
             <p:nvSpPr>
               <p:cNvPr id="67" name="TextBox 66">
@@ -4193,8 +4194,8 @@
             </p:nvSpPr>
             <p:spPr>
               <a:xfrm>
-                <a:off x="5576981" y="4038023"/>
-                <a:ext cx="1799067" cy="523220"/>
+                <a:off x="5380206" y="4026448"/>
+                <a:ext cx="928337" cy="584775"/>
               </a:xfrm>
               <a:prstGeom prst="rect">
                 <a:avLst/>
@@ -4202,7 +4203,7 @@
               <a:blipFill>
                 <a:blip r:embed="rId5"/>
                 <a:stretch>
-                  <a:fillRect l="-699" b="-2381"/>
+                  <a:fillRect t="-2128" b="-2128"/>
                 </a:stretch>
               </a:blipFill>
             </p:spPr>
@@ -4211,7 +4212,7 @@
               <a:lstStyle/>
               <a:p>
                 <a:r>
-                  <a:rPr lang="en-US">
+                  <a:rPr lang="en-GB">
                     <a:noFill/>
                   </a:rPr>
                   <a:t> </a:t>
@@ -4309,8 +4310,8 @@
           </a:fontRef>
         </p:style>
       </p:cxnSp>
-      <mc:AlternateContent xmlns:mc="http://schemas.openxmlformats.org/markup-compatibility/2006" xmlns:a14="http://schemas.microsoft.com/office/drawing/2010/main">
-        <mc:Choice Requires="a14">
+      <mc:AlternateContent xmlns:mc="http://schemas.openxmlformats.org/markup-compatibility/2006">
+        <mc:Choice xmlns:a14="http://schemas.microsoft.com/office/drawing/2010/main" Requires="a14">
           <p:sp>
             <p:nvSpPr>
               <p:cNvPr id="93" name="TextBox 92">
@@ -4325,7 +4326,321 @@
             </p:nvSpPr>
             <p:spPr>
               <a:xfrm>
-                <a:off x="730384" y="208816"/>
+                <a:off x="730384" y="231966"/>
+                <a:ext cx="891712" cy="354969"/>
+              </a:xfrm>
+              <a:prstGeom prst="rect">
+                <a:avLst/>
+              </a:prstGeom>
+              <a:noFill/>
+            </p:spPr>
+            <p:txBody>
+              <a:bodyPr wrap="square" lIns="0" tIns="0" rIns="0" bIns="0" rtlCol="0">
+                <a:spAutoFit/>
+              </a:bodyPr>
+              <a:lstStyle/>
+              <a:p>
+                <a14:m>
+                  <m:oMath xmlns:m="http://schemas.openxmlformats.org/officeDocument/2006/math">
+                    <m:sSub>
+                      <m:sSubPr>
+                        <m:ctrlPr>
+                          <a:rPr lang="en-US" sz="2000" i="1" smtClean="0">
+                            <a:latin typeface="Cambria Math" panose="02040503050406030204" pitchFamily="18" charset="0"/>
+                          </a:rPr>
+                        </m:ctrlPr>
+                      </m:sSubPr>
+                      <m:e>
+                        <m:r>
+                          <a:rPr lang="en-US" sz="2000">
+                            <a:latin typeface="Cambria Math" panose="02040503050406030204" pitchFamily="18" charset="0"/>
+                          </a:rPr>
+                          <m:t>{</m:t>
+                        </m:r>
+                        <m:sSup>
+                          <m:sSupPr>
+                            <m:ctrlPr>
+                              <a:rPr lang="en-US" sz="2000" i="1">
+                                <a:latin typeface="Cambria Math" panose="02040503050406030204" pitchFamily="18" charset="0"/>
+                              </a:rPr>
+                            </m:ctrlPr>
+                          </m:sSupPr>
+                          <m:e>
+                            <m:r>
+                              <m:rPr>
+                                <m:sty m:val="p"/>
+                              </m:rPr>
+                              <a:rPr lang="en-US" sz="2000">
+                                <a:latin typeface="Cambria Math" panose="02040503050406030204" pitchFamily="18" charset="0"/>
+                              </a:rPr>
+                              <m:t>Σ</m:t>
+                            </m:r>
+                          </m:e>
+                          <m:sup>
+                            <m:r>
+                              <a:rPr lang="en-US" sz="2000" i="1">
+                                <a:latin typeface="Cambria Math" panose="02040503050406030204" pitchFamily="18" charset="0"/>
+                              </a:rPr>
+                              <m:t>𝑖</m:t>
+                            </m:r>
+                          </m:sup>
+                        </m:sSup>
+                        <m:r>
+                          <a:rPr lang="en-US" sz="2000" i="1">
+                            <a:latin typeface="Cambria Math" panose="02040503050406030204" pitchFamily="18" charset="0"/>
+                          </a:rPr>
+                          <m:t>}</m:t>
+                        </m:r>
+                      </m:e>
+                      <m:sub>
+                        <m:r>
+                          <a:rPr lang="en-US" sz="2000" b="0" i="1" smtClean="0">
+                            <a:latin typeface="Cambria Math" panose="02040503050406030204" pitchFamily="18" charset="0"/>
+                          </a:rPr>
+                          <m:t>𝑖</m:t>
+                        </m:r>
+                        <m:r>
+                          <a:rPr lang="en-US" sz="2000" b="0" i="1" smtClean="0">
+                            <a:latin typeface="Cambria Math" panose="02040503050406030204" pitchFamily="18" charset="0"/>
+                          </a:rPr>
+                          <m:t>∈[1;</m:t>
+                        </m:r>
+                        <m:r>
+                          <a:rPr lang="en-US" sz="2000" b="0" i="1" smtClean="0">
+                            <a:latin typeface="Cambria Math" panose="02040503050406030204" pitchFamily="18" charset="0"/>
+                          </a:rPr>
+                          <m:t>𝑁</m:t>
+                        </m:r>
+                        <m:r>
+                          <a:rPr lang="en-US" sz="2000" b="0" i="1" smtClean="0">
+                            <a:latin typeface="Cambria Math" panose="02040503050406030204" pitchFamily="18" charset="0"/>
+                          </a:rPr>
+                          <m:t>]</m:t>
+                        </m:r>
+                      </m:sub>
+                    </m:sSub>
+                  </m:oMath>
+                </a14:m>
+                <a:r>
+                  <a:rPr lang="en-US" sz="2000" dirty="0">
+                    <a:latin typeface="Arial" panose="020B0604020202020204" pitchFamily="34" charset="0"/>
+                    <a:cs typeface="Arial" panose="020B0604020202020204" pitchFamily="34" charset="0"/>
+                  </a:rPr>
+                  <a:t> </a:t>
+                </a:r>
+              </a:p>
+            </p:txBody>
+          </p:sp>
+        </mc:Choice>
+        <mc:Fallback>
+          <p:sp>
+            <p:nvSpPr>
+              <p:cNvPr id="93" name="TextBox 92">
+                <a:extLst>
+                  <a:ext uri="{FF2B5EF4-FFF2-40B4-BE49-F238E27FC236}">
+                    <a16:creationId xmlns:a16="http://schemas.microsoft.com/office/drawing/2014/main" id="{794E4C25-10A4-4844-9F51-A2D90F5AA40A}"/>
+                  </a:ext>
+                </a:extLst>
+              </p:cNvPr>
+              <p:cNvSpPr txBox="1">
+                <a:spLocks noRot="1" noChangeAspect="1" noMove="1" noResize="1" noEditPoints="1" noAdjustHandles="1" noChangeArrowheads="1" noChangeShapeType="1" noTextEdit="1"/>
+              </p:cNvSpPr>
+              <p:nvPr/>
+            </p:nvSpPr>
+            <p:spPr>
+              <a:xfrm>
+                <a:off x="730384" y="231966"/>
+                <a:ext cx="891712" cy="354969"/>
+              </a:xfrm>
+              <a:prstGeom prst="rect">
+                <a:avLst/>
+              </a:prstGeom>
+              <a:blipFill>
+                <a:blip r:embed="rId6"/>
+                <a:stretch>
+                  <a:fillRect l="-12676" r="-25352" b="-20690"/>
+                </a:stretch>
+              </a:blipFill>
+            </p:spPr>
+            <p:txBody>
+              <a:bodyPr/>
+              <a:lstStyle/>
+              <a:p>
+                <a:r>
+                  <a:rPr lang="en-GB">
+                    <a:noFill/>
+                  </a:rPr>
+                  <a:t> </a:t>
+                </a:r>
+              </a:p>
+            </p:txBody>
+          </p:sp>
+        </mc:Fallback>
+      </mc:AlternateContent>
+      <mc:AlternateContent xmlns:mc="http://schemas.openxmlformats.org/markup-compatibility/2006">
+        <mc:Choice xmlns:a14="http://schemas.microsoft.com/office/drawing/2010/main" Requires="a14">
+          <p:sp>
+            <p:nvSpPr>
+              <p:cNvPr id="97" name="TextBox 96">
+                <a:extLst>
+                  <a:ext uri="{FF2B5EF4-FFF2-40B4-BE49-F238E27FC236}">
+                    <a16:creationId xmlns:a16="http://schemas.microsoft.com/office/drawing/2014/main" id="{95DBD3DE-DA5E-44CE-8A0D-2E24E02523F0}"/>
+                  </a:ext>
+                </a:extLst>
+              </p:cNvPr>
+              <p:cNvSpPr txBox="1"/>
+              <p:nvPr/>
+            </p:nvSpPr>
+            <p:spPr>
+              <a:xfrm>
+                <a:off x="1994412" y="336206"/>
+                <a:ext cx="272510" cy="307777"/>
+              </a:xfrm>
+              <a:prstGeom prst="rect">
+                <a:avLst/>
+              </a:prstGeom>
+              <a:noFill/>
+            </p:spPr>
+            <p:txBody>
+              <a:bodyPr wrap="none" lIns="0" tIns="0" rIns="0" bIns="0" rtlCol="0">
+                <a:spAutoFit/>
+              </a:bodyPr>
+              <a:lstStyle/>
+              <a:p>
+                <a:pPr/>
+                <a14:m>
+                  <m:oMathPara xmlns:m="http://schemas.openxmlformats.org/officeDocument/2006/math">
+                    <m:oMathParaPr>
+                      <m:jc m:val="centerGroup"/>
+                    </m:oMathParaPr>
+                    <m:oMath xmlns:m="http://schemas.openxmlformats.org/officeDocument/2006/math">
+                      <m:r>
+                        <m:rPr>
+                          <m:sty m:val="p"/>
+                        </m:rPr>
+                        <a:rPr lang="en-US" sz="2000" b="0" i="0" smtClean="0">
+                          <a:latin typeface="Cambria Math" panose="02040503050406030204" pitchFamily="18" charset="0"/>
+                          <a:cs typeface="Arial" panose="020B0604020202020204" pitchFamily="34" charset="0"/>
+                        </a:rPr>
+                        <m:t>Φ</m:t>
+                      </m:r>
+                    </m:oMath>
+                  </m:oMathPara>
+                </a14:m>
+                <a:endParaRPr lang="en-US" sz="2000" dirty="0">
+                  <a:latin typeface="Arial" panose="020B0604020202020204" pitchFamily="34" charset="0"/>
+                  <a:cs typeface="Arial" panose="020B0604020202020204" pitchFamily="34" charset="0"/>
+                </a:endParaRPr>
+              </a:p>
+            </p:txBody>
+          </p:sp>
+        </mc:Choice>
+        <mc:Fallback>
+          <p:sp>
+            <p:nvSpPr>
+              <p:cNvPr id="97" name="TextBox 96">
+                <a:extLst>
+                  <a:ext uri="{FF2B5EF4-FFF2-40B4-BE49-F238E27FC236}">
+                    <a16:creationId xmlns:a16="http://schemas.microsoft.com/office/drawing/2014/main" id="{95DBD3DE-DA5E-44CE-8A0D-2E24E02523F0}"/>
+                  </a:ext>
+                </a:extLst>
+              </p:cNvPr>
+              <p:cNvSpPr txBox="1">
+                <a:spLocks noRot="1" noChangeAspect="1" noMove="1" noResize="1" noEditPoints="1" noAdjustHandles="1" noChangeArrowheads="1" noChangeShapeType="1" noTextEdit="1"/>
+              </p:cNvSpPr>
+              <p:nvPr/>
+            </p:nvSpPr>
+            <p:spPr>
+              <a:xfrm>
+                <a:off x="1994412" y="336206"/>
+                <a:ext cx="272510" cy="307777"/>
+              </a:xfrm>
+              <a:prstGeom prst="rect">
+                <a:avLst/>
+              </a:prstGeom>
+              <a:blipFill>
+                <a:blip r:embed="rId7"/>
+                <a:stretch>
+                  <a:fillRect l="-13636" r="-18182" b="-3846"/>
+                </a:stretch>
+              </a:blipFill>
+            </p:spPr>
+            <p:txBody>
+              <a:bodyPr/>
+              <a:lstStyle/>
+              <a:p>
+                <a:r>
+                  <a:rPr lang="en-GB">
+                    <a:noFill/>
+                  </a:rPr>
+                  <a:t> </a:t>
+                </a:r>
+              </a:p>
+            </p:txBody>
+          </p:sp>
+        </mc:Fallback>
+      </mc:AlternateContent>
+      <p:cxnSp>
+        <p:nvCxnSpPr>
+          <p:cNvPr id="98" name="Straight Arrow Connector 97">
+            <a:extLst>
+              <a:ext uri="{FF2B5EF4-FFF2-40B4-BE49-F238E27FC236}">
+                <a16:creationId xmlns:a16="http://schemas.microsoft.com/office/drawing/2014/main" id="{24C83904-0D3F-40B2-9172-5F83E368A9D1}"/>
+              </a:ext>
+            </a:extLst>
+          </p:cNvPr>
+          <p:cNvCxnSpPr>
+            <a:cxnSpLocks/>
+          </p:cNvCxnSpPr>
+          <p:nvPr/>
+        </p:nvCxnSpPr>
+        <p:spPr>
+          <a:xfrm>
+            <a:off x="6818291" y="685666"/>
+            <a:ext cx="0" cy="684835"/>
+          </a:xfrm>
+          <a:prstGeom prst="straightConnector1">
+            <a:avLst/>
+          </a:prstGeom>
+          <a:ln w="25400">
+            <a:solidFill>
+              <a:schemeClr val="tx1"/>
+            </a:solidFill>
+            <a:tailEnd type="triangle" w="lg" len="lg"/>
+          </a:ln>
+        </p:spPr>
+        <p:style>
+          <a:lnRef idx="1">
+            <a:schemeClr val="accent1"/>
+          </a:lnRef>
+          <a:fillRef idx="0">
+            <a:schemeClr val="accent1"/>
+          </a:fillRef>
+          <a:effectRef idx="0">
+            <a:schemeClr val="accent1"/>
+          </a:effectRef>
+          <a:fontRef idx="minor">
+            <a:schemeClr val="tx1"/>
+          </a:fontRef>
+        </p:style>
+      </p:cxnSp>
+      <mc:AlternateContent xmlns:mc="http://schemas.openxmlformats.org/markup-compatibility/2006">
+        <mc:Choice xmlns:a14="http://schemas.microsoft.com/office/drawing/2010/main" Requires="a14">
+          <p:sp>
+            <p:nvSpPr>
+              <p:cNvPr id="99" name="TextBox 98">
+                <a:extLst>
+                  <a:ext uri="{FF2B5EF4-FFF2-40B4-BE49-F238E27FC236}">
+                    <a16:creationId xmlns:a16="http://schemas.microsoft.com/office/drawing/2014/main" id="{A825B52A-3EAF-4BD5-A012-DEA3C4FC2521}"/>
+                  </a:ext>
+                </a:extLst>
+              </p:cNvPr>
+              <p:cNvSpPr txBox="1"/>
+              <p:nvPr/>
+            </p:nvSpPr>
+            <p:spPr>
+              <a:xfrm>
+                <a:off x="6357678" y="289184"/>
                 <a:ext cx="891712" cy="442782"/>
               </a:xfrm>
               <a:prstGeom prst="rect">
@@ -4431,321 +4746,7 @@
             </p:txBody>
           </p:sp>
         </mc:Choice>
-        <mc:Fallback xmlns="">
-          <p:sp>
-            <p:nvSpPr>
-              <p:cNvPr id="93" name="TextBox 92">
-                <a:extLst>
-                  <a:ext uri="{FF2B5EF4-FFF2-40B4-BE49-F238E27FC236}">
-                    <a16:creationId xmlns:a16="http://schemas.microsoft.com/office/drawing/2014/main" id="{794E4C25-10A4-4844-9F51-A2D90F5AA40A}"/>
-                  </a:ext>
-                </a:extLst>
-              </p:cNvPr>
-              <p:cNvSpPr txBox="1">
-                <a:spLocks noRot="1" noChangeAspect="1" noMove="1" noResize="1" noEditPoints="1" noAdjustHandles="1" noChangeArrowheads="1" noChangeShapeType="1" noTextEdit="1"/>
-              </p:cNvSpPr>
-              <p:nvPr/>
-            </p:nvSpPr>
-            <p:spPr>
-              <a:xfrm>
-                <a:off x="730384" y="208816"/>
-                <a:ext cx="891712" cy="442782"/>
-              </a:xfrm>
-              <a:prstGeom prst="rect">
-                <a:avLst/>
-              </a:prstGeom>
-              <a:blipFill>
-                <a:blip r:embed="rId6"/>
-                <a:stretch>
-                  <a:fillRect l="-13699" r="-28082"/>
-                </a:stretch>
-              </a:blipFill>
-            </p:spPr>
-            <p:txBody>
-              <a:bodyPr/>
-              <a:lstStyle/>
-              <a:p>
-                <a:r>
-                  <a:rPr lang="en-US">
-                    <a:noFill/>
-                  </a:rPr>
-                  <a:t> </a:t>
-                </a:r>
-              </a:p>
-            </p:txBody>
-          </p:sp>
-        </mc:Fallback>
-      </mc:AlternateContent>
-      <mc:AlternateContent xmlns:mc="http://schemas.openxmlformats.org/markup-compatibility/2006" xmlns:a14="http://schemas.microsoft.com/office/drawing/2010/main">
-        <mc:Choice Requires="a14">
-          <p:sp>
-            <p:nvSpPr>
-              <p:cNvPr id="97" name="TextBox 96">
-                <a:extLst>
-                  <a:ext uri="{FF2B5EF4-FFF2-40B4-BE49-F238E27FC236}">
-                    <a16:creationId xmlns:a16="http://schemas.microsoft.com/office/drawing/2014/main" id="{95DBD3DE-DA5E-44CE-8A0D-2E24E02523F0}"/>
-                  </a:ext>
-                </a:extLst>
-              </p:cNvPr>
-              <p:cNvSpPr txBox="1"/>
-              <p:nvPr/>
-            </p:nvSpPr>
-            <p:spPr>
-              <a:xfrm>
-                <a:off x="1994412" y="336206"/>
-                <a:ext cx="245259" cy="276999"/>
-              </a:xfrm>
-              <a:prstGeom prst="rect">
-                <a:avLst/>
-              </a:prstGeom>
-              <a:noFill/>
-            </p:spPr>
-            <p:txBody>
-              <a:bodyPr wrap="none" lIns="0" tIns="0" rIns="0" bIns="0" rtlCol="0">
-                <a:spAutoFit/>
-              </a:bodyPr>
-              <a:lstStyle/>
-              <a:p>
-                <a:pPr/>
-                <a14:m>
-                  <m:oMathPara xmlns:m="http://schemas.openxmlformats.org/officeDocument/2006/math">
-                    <m:oMathParaPr>
-                      <m:jc m:val="centerGroup"/>
-                    </m:oMathParaPr>
-                    <m:oMath xmlns:m="http://schemas.openxmlformats.org/officeDocument/2006/math">
-                      <m:r>
-                        <m:rPr>
-                          <m:sty m:val="p"/>
-                        </m:rPr>
-                        <a:rPr lang="en-US" b="0" i="0" smtClean="0">
-                          <a:latin typeface="Cambria Math" panose="02040503050406030204" pitchFamily="18" charset="0"/>
-                          <a:cs typeface="Arial" panose="020B0604020202020204" pitchFamily="34" charset="0"/>
-                        </a:rPr>
-                        <m:t>Φ</m:t>
-                      </m:r>
-                    </m:oMath>
-                  </m:oMathPara>
-                </a14:m>
-                <a:endParaRPr lang="en-US" dirty="0">
-                  <a:latin typeface="Arial" panose="020B0604020202020204" pitchFamily="34" charset="0"/>
-                  <a:cs typeface="Arial" panose="020B0604020202020204" pitchFamily="34" charset="0"/>
-                </a:endParaRPr>
-              </a:p>
-            </p:txBody>
-          </p:sp>
-        </mc:Choice>
-        <mc:Fallback xmlns="">
-          <p:sp>
-            <p:nvSpPr>
-              <p:cNvPr id="97" name="TextBox 96">
-                <a:extLst>
-                  <a:ext uri="{FF2B5EF4-FFF2-40B4-BE49-F238E27FC236}">
-                    <a16:creationId xmlns:a16="http://schemas.microsoft.com/office/drawing/2014/main" id="{95DBD3DE-DA5E-44CE-8A0D-2E24E02523F0}"/>
-                  </a:ext>
-                </a:extLst>
-              </p:cNvPr>
-              <p:cNvSpPr txBox="1">
-                <a:spLocks noRot="1" noChangeAspect="1" noMove="1" noResize="1" noEditPoints="1" noAdjustHandles="1" noChangeArrowheads="1" noChangeShapeType="1" noTextEdit="1"/>
-              </p:cNvSpPr>
-              <p:nvPr/>
-            </p:nvSpPr>
-            <p:spPr>
-              <a:xfrm>
-                <a:off x="1994412" y="336206"/>
-                <a:ext cx="245259" cy="276999"/>
-              </a:xfrm>
-              <a:prstGeom prst="rect">
-                <a:avLst/>
-              </a:prstGeom>
-              <a:blipFill>
-                <a:blip r:embed="rId7"/>
-                <a:stretch>
-                  <a:fillRect l="-20000" r="-22500" b="-8696"/>
-                </a:stretch>
-              </a:blipFill>
-            </p:spPr>
-            <p:txBody>
-              <a:bodyPr/>
-              <a:lstStyle/>
-              <a:p>
-                <a:r>
-                  <a:rPr lang="en-US">
-                    <a:noFill/>
-                  </a:rPr>
-                  <a:t> </a:t>
-                </a:r>
-              </a:p>
-            </p:txBody>
-          </p:sp>
-        </mc:Fallback>
-      </mc:AlternateContent>
-      <p:cxnSp>
-        <p:nvCxnSpPr>
-          <p:cNvPr id="98" name="Straight Arrow Connector 97">
-            <a:extLst>
-              <a:ext uri="{FF2B5EF4-FFF2-40B4-BE49-F238E27FC236}">
-                <a16:creationId xmlns:a16="http://schemas.microsoft.com/office/drawing/2014/main" id="{24C83904-0D3F-40B2-9172-5F83E368A9D1}"/>
-              </a:ext>
-            </a:extLst>
-          </p:cNvPr>
-          <p:cNvCxnSpPr>
-            <a:cxnSpLocks/>
-          </p:cNvCxnSpPr>
-          <p:nvPr/>
-        </p:nvCxnSpPr>
-        <p:spPr>
-          <a:xfrm>
-            <a:off x="6818291" y="685666"/>
-            <a:ext cx="0" cy="684835"/>
-          </a:xfrm>
-          <a:prstGeom prst="straightConnector1">
-            <a:avLst/>
-          </a:prstGeom>
-          <a:ln w="25400">
-            <a:solidFill>
-              <a:schemeClr val="tx1"/>
-            </a:solidFill>
-            <a:tailEnd type="triangle" w="lg" len="lg"/>
-          </a:ln>
-        </p:spPr>
-        <p:style>
-          <a:lnRef idx="1">
-            <a:schemeClr val="accent1"/>
-          </a:lnRef>
-          <a:fillRef idx="0">
-            <a:schemeClr val="accent1"/>
-          </a:fillRef>
-          <a:effectRef idx="0">
-            <a:schemeClr val="accent1"/>
-          </a:effectRef>
-          <a:fontRef idx="minor">
-            <a:schemeClr val="tx1"/>
-          </a:fontRef>
-        </p:style>
-      </p:cxnSp>
-      <mc:AlternateContent xmlns:mc="http://schemas.openxmlformats.org/markup-compatibility/2006" xmlns:a14="http://schemas.microsoft.com/office/drawing/2010/main">
-        <mc:Choice Requires="a14">
-          <p:sp>
-            <p:nvSpPr>
-              <p:cNvPr id="99" name="TextBox 98">
-                <a:extLst>
-                  <a:ext uri="{FF2B5EF4-FFF2-40B4-BE49-F238E27FC236}">
-                    <a16:creationId xmlns:a16="http://schemas.microsoft.com/office/drawing/2014/main" id="{A825B52A-3EAF-4BD5-A012-DEA3C4FC2521}"/>
-                  </a:ext>
-                </a:extLst>
-              </p:cNvPr>
-              <p:cNvSpPr txBox="1"/>
-              <p:nvPr/>
-            </p:nvSpPr>
-            <p:spPr>
-              <a:xfrm>
-                <a:off x="6357678" y="242884"/>
-                <a:ext cx="891712" cy="442782"/>
-              </a:xfrm>
-              <a:prstGeom prst="rect">
-                <a:avLst/>
-              </a:prstGeom>
-              <a:noFill/>
-            </p:spPr>
-            <p:txBody>
-              <a:bodyPr wrap="square" lIns="0" tIns="0" rIns="0" bIns="0" rtlCol="0">
-                <a:spAutoFit/>
-              </a:bodyPr>
-              <a:lstStyle/>
-              <a:p>
-                <a14:m>
-                  <m:oMath xmlns:m="http://schemas.openxmlformats.org/officeDocument/2006/math">
-                    <m:sSub>
-                      <m:sSubPr>
-                        <m:ctrlPr>
-                          <a:rPr lang="en-US" sz="2000" i="1" smtClean="0">
-                            <a:latin typeface="Cambria Math" panose="02040503050406030204" pitchFamily="18" charset="0"/>
-                          </a:rPr>
-                        </m:ctrlPr>
-                      </m:sSubPr>
-                      <m:e>
-                        <m:r>
-                          <a:rPr lang="en-US" sz="2000">
-                            <a:latin typeface="Cambria Math" panose="02040503050406030204" pitchFamily="18" charset="0"/>
-                          </a:rPr>
-                          <m:t>{</m:t>
-                        </m:r>
-                        <m:sSup>
-                          <m:sSupPr>
-                            <m:ctrlPr>
-                              <a:rPr lang="en-US" sz="2000" i="1">
-                                <a:latin typeface="Cambria Math" panose="02040503050406030204" pitchFamily="18" charset="0"/>
-                              </a:rPr>
-                            </m:ctrlPr>
-                          </m:sSupPr>
-                          <m:e>
-                            <m:r>
-                              <m:rPr>
-                                <m:sty m:val="p"/>
-                              </m:rPr>
-                              <a:rPr lang="en-US" sz="2000">
-                                <a:latin typeface="Cambria Math" panose="02040503050406030204" pitchFamily="18" charset="0"/>
-                              </a:rPr>
-                              <m:t>Σ</m:t>
-                            </m:r>
-                          </m:e>
-                          <m:sup>
-                            <m:r>
-                              <a:rPr lang="en-US" sz="2000" i="1">
-                                <a:latin typeface="Cambria Math" panose="02040503050406030204" pitchFamily="18" charset="0"/>
-                              </a:rPr>
-                              <m:t>𝑖</m:t>
-                            </m:r>
-                          </m:sup>
-                        </m:sSup>
-                        <m:r>
-                          <a:rPr lang="en-US" sz="2000" i="1">
-                            <a:latin typeface="Cambria Math" panose="02040503050406030204" pitchFamily="18" charset="0"/>
-                          </a:rPr>
-                          <m:t>}</m:t>
-                        </m:r>
-                      </m:e>
-                      <m:sub>
-                        <m:r>
-                          <a:rPr lang="en-US" sz="2000" b="0" i="1" smtClean="0">
-                            <a:latin typeface="Cambria Math" panose="02040503050406030204" pitchFamily="18" charset="0"/>
-                          </a:rPr>
-                          <m:t>𝑖</m:t>
-                        </m:r>
-                        <m:r>
-                          <a:rPr lang="en-US" sz="2000" b="0" i="1" smtClean="0">
-                            <a:latin typeface="Cambria Math" panose="02040503050406030204" pitchFamily="18" charset="0"/>
-                          </a:rPr>
-                          <m:t>∈[1;</m:t>
-                        </m:r>
-                        <m:r>
-                          <a:rPr lang="en-US" sz="2000" b="0" i="1" smtClean="0">
-                            <a:latin typeface="Cambria Math" panose="02040503050406030204" pitchFamily="18" charset="0"/>
-                          </a:rPr>
-                          <m:t>𝑁</m:t>
-                        </m:r>
-                        <m:r>
-                          <a:rPr lang="en-US" sz="2000" b="0" i="1" smtClean="0">
-                            <a:latin typeface="Cambria Math" panose="02040503050406030204" pitchFamily="18" charset="0"/>
-                          </a:rPr>
-                          <m:t>]</m:t>
-                        </m:r>
-                      </m:sub>
-                    </m:sSub>
-                  </m:oMath>
-                </a14:m>
-                <a:r>
-                  <a:rPr lang="en-US" sz="2000" dirty="0">
-                    <a:latin typeface="Arial" panose="020B0604020202020204" pitchFamily="34" charset="0"/>
-                    <a:cs typeface="Arial" panose="020B0604020202020204" pitchFamily="34" charset="0"/>
-                  </a:rPr>
-                  <a:t> </a:t>
-                </a:r>
-              </a:p>
-            </p:txBody>
-          </p:sp>
-        </mc:Choice>
-        <mc:Fallback xmlns="">
+        <mc:Fallback>
           <p:sp>
             <p:nvSpPr>
               <p:cNvPr id="99" name="TextBox 98">
@@ -4762,7 +4763,7 @@
             </p:nvSpPr>
             <p:spPr>
               <a:xfrm>
-                <a:off x="6357678" y="242884"/>
+                <a:off x="6357678" y="289184"/>
                 <a:ext cx="891712" cy="442782"/>
               </a:xfrm>
               <a:prstGeom prst="rect">
@@ -4771,7 +4772,7 @@
               <a:blipFill>
                 <a:blip r:embed="rId8"/>
                 <a:stretch>
-                  <a:fillRect l="-13699" r="-28082" b="-1389"/>
+                  <a:fillRect l="-12676" r="-25352"/>
                 </a:stretch>
               </a:blipFill>
             </p:spPr>
@@ -4780,7 +4781,7 @@
               <a:lstStyle/>
               <a:p>
                 <a:r>
-                  <a:rPr lang="en-US">
+                  <a:rPr lang="en-GB">
                     <a:noFill/>
                   </a:rPr>
                   <a:t> </a:t>
@@ -4804,8 +4805,8 @@
         </p:nvSpPr>
         <p:spPr>
           <a:xfrm>
-            <a:off x="3838357" y="4115364"/>
-            <a:ext cx="1857688" cy="806221"/>
+            <a:off x="3923681" y="3652812"/>
+            <a:ext cx="1857688" cy="707886"/>
           </a:xfrm>
           <a:prstGeom prst="rect">
             <a:avLst/>
@@ -4819,11 +4820,11 @@
           <a:lstStyle/>
           <a:p>
             <a:r>
-              <a:rPr lang="en-US" dirty="0">
+              <a:rPr lang="en-US" sz="2000" dirty="0">
                 <a:latin typeface="Arial" panose="020B0604020202020204" pitchFamily="34" charset="0"/>
                 <a:cs typeface="Arial" panose="020B0604020202020204" pitchFamily="34" charset="0"/>
               </a:rPr>
-              <a:t>Open loop controllers</a:t>
+              <a:t>Open-loop controllers</a:t>
             </a:r>
           </a:p>
         </p:txBody>
@@ -4961,8 +4962,8 @@
           </a:fontRef>
         </p:style>
       </p:cxnSp>
-      <mc:AlternateContent xmlns:mc="http://schemas.openxmlformats.org/markup-compatibility/2006" xmlns:a14="http://schemas.microsoft.com/office/drawing/2010/main">
-        <mc:Choice Requires="a14">
+      <mc:AlternateContent xmlns:mc="http://schemas.openxmlformats.org/markup-compatibility/2006">
+        <mc:Choice xmlns:a14="http://schemas.microsoft.com/office/drawing/2010/main" Requires="a14">
           <p:sp>
             <p:nvSpPr>
               <p:cNvPr id="37" name="TextBox 36">
@@ -4978,7 +4979,7 @@
             <p:spPr>
               <a:xfrm>
                 <a:off x="9039275" y="1725601"/>
-                <a:ext cx="357296" cy="345523"/>
+                <a:ext cx="321498" cy="307777"/>
               </a:xfrm>
               <a:prstGeom prst="rect">
                 <a:avLst/>
@@ -5001,14 +5002,14 @@
                       <m:sSub>
                         <m:sSubPr>
                           <m:ctrlPr>
-                            <a:rPr lang="en-US" i="1" smtClean="0">
+                            <a:rPr lang="en-US" sz="2000" i="1" smtClean="0">
                               <a:latin typeface="Cambria Math" panose="02040503050406030204" pitchFamily="18" charset="0"/>
                             </a:rPr>
                           </m:ctrlPr>
                         </m:sSubPr>
                         <m:e>
                           <m:r>
-                            <a:rPr lang="en-US" b="0" i="1" smtClean="0">
+                            <a:rPr lang="en-US" sz="2000" b="0" i="1" smtClean="0">
                               <a:latin typeface="Cambria Math" panose="02040503050406030204" pitchFamily="18" charset="0"/>
                             </a:rPr>
                             <m:t>𝐶</m:t>
@@ -5016,7 +5017,7 @@
                         </m:e>
                         <m:sub>
                           <m:r>
-                            <a:rPr lang="en-US" i="1">
+                            <a:rPr lang="en-US" sz="2000" i="1">
                               <a:latin typeface="Cambria Math" panose="02040503050406030204" pitchFamily="18" charset="0"/>
                             </a:rPr>
                             <m:t>1</m:t>
@@ -5026,7 +5027,7 @@
                     </m:oMath>
                   </m:oMathPara>
                 </a14:m>
-                <a:endParaRPr lang="en-US" dirty="0">
+                <a:endParaRPr lang="en-US" sz="2000" dirty="0">
                   <a:latin typeface="Arial" panose="020B0604020202020204" pitchFamily="34" charset="0"/>
                   <a:cs typeface="Arial" panose="020B0604020202020204" pitchFamily="34" charset="0"/>
                 </a:endParaRPr>
@@ -5034,7 +5035,7 @@
             </p:txBody>
           </p:sp>
         </mc:Choice>
-        <mc:Fallback xmlns="">
+        <mc:Fallback>
           <p:sp>
             <p:nvSpPr>
               <p:cNvPr id="37" name="TextBox 36">
@@ -5052,7 +5053,7 @@
             <p:spPr>
               <a:xfrm>
                 <a:off x="9039275" y="1725601"/>
-                <a:ext cx="357296" cy="345523"/>
+                <a:ext cx="321498" cy="307777"/>
               </a:xfrm>
               <a:prstGeom prst="rect">
                 <a:avLst/>
@@ -5060,7 +5061,7 @@
               <a:blipFill>
                 <a:blip r:embed="rId9"/>
                 <a:stretch>
-                  <a:fillRect l="-5172"/>
+                  <a:fillRect l="-11538" r="-3846" b="-12000"/>
                 </a:stretch>
               </a:blipFill>
             </p:spPr>
@@ -5069,7 +5070,7 @@
               <a:lstStyle/>
               <a:p>
                 <a:r>
-                  <a:rPr lang="en-US">
+                  <a:rPr lang="en-GB">
                     <a:noFill/>
                   </a:rPr>
                   <a:t> </a:t>
@@ -5093,8 +5094,8 @@
         </p:nvSpPr>
         <p:spPr>
           <a:xfrm rot="16200000">
-            <a:off x="8939479" y="2931886"/>
-            <a:ext cx="399912" cy="342852"/>
+            <a:off x="8963104" y="2949423"/>
+            <a:ext cx="352661" cy="307777"/>
           </a:xfrm>
           <a:prstGeom prst="rect">
             <a:avLst/>
@@ -5108,7 +5109,7 @@
           <a:lstStyle/>
           <a:p>
             <a:r>
-              <a:rPr lang="en-US" dirty="0">
+              <a:rPr lang="en-US" sz="2000" dirty="0">
                 <a:latin typeface="Arial" panose="020B0604020202020204" pitchFamily="34" charset="0"/>
                 <a:cs typeface="Arial" panose="020B0604020202020204" pitchFamily="34" charset="0"/>
               </a:rPr>
@@ -5117,8 +5118,8 @@
           </a:p>
         </p:txBody>
       </p:sp>
-      <mc:AlternateContent xmlns:mc="http://schemas.openxmlformats.org/markup-compatibility/2006" xmlns:a14="http://schemas.microsoft.com/office/drawing/2010/main">
-        <mc:Choice Requires="a14">
+      <mc:AlternateContent xmlns:mc="http://schemas.openxmlformats.org/markup-compatibility/2006">
+        <mc:Choice xmlns:a14="http://schemas.microsoft.com/office/drawing/2010/main" Requires="a14">
           <p:sp>
             <p:nvSpPr>
               <p:cNvPr id="41" name="TextBox 40">
@@ -5134,7 +5135,7 @@
             <p:spPr>
               <a:xfrm>
                 <a:off x="9034726" y="2351926"/>
-                <a:ext cx="363882" cy="345523"/>
+                <a:ext cx="327461" cy="307777"/>
               </a:xfrm>
               <a:prstGeom prst="rect">
                 <a:avLst/>
@@ -5157,14 +5158,14 @@
                       <m:sSub>
                         <m:sSubPr>
                           <m:ctrlPr>
-                            <a:rPr lang="en-US" i="1" smtClean="0">
+                            <a:rPr lang="en-US" sz="2000" i="1" smtClean="0">
                               <a:latin typeface="Cambria Math" panose="02040503050406030204" pitchFamily="18" charset="0"/>
                             </a:rPr>
                           </m:ctrlPr>
                         </m:sSubPr>
                         <m:e>
                           <m:r>
-                            <a:rPr lang="en-US" b="0" i="1" smtClean="0">
+                            <a:rPr lang="en-US" sz="2000" b="0" i="1" smtClean="0">
                               <a:latin typeface="Cambria Math" panose="02040503050406030204" pitchFamily="18" charset="0"/>
                             </a:rPr>
                             <m:t>𝐶</m:t>
@@ -5172,7 +5173,7 @@
                         </m:e>
                         <m:sub>
                           <m:r>
-                            <a:rPr lang="en-US" b="0" i="1" smtClean="0">
+                            <a:rPr lang="en-US" sz="2000" b="0" i="1" smtClean="0">
                               <a:latin typeface="Cambria Math" panose="02040503050406030204" pitchFamily="18" charset="0"/>
                             </a:rPr>
                             <m:t>2</m:t>
@@ -5182,7 +5183,7 @@
                     </m:oMath>
                   </m:oMathPara>
                 </a14:m>
-                <a:endParaRPr lang="en-US" dirty="0">
+                <a:endParaRPr lang="en-US" sz="2000" dirty="0">
                   <a:latin typeface="Arial" panose="020B0604020202020204" pitchFamily="34" charset="0"/>
                   <a:cs typeface="Arial" panose="020B0604020202020204" pitchFamily="34" charset="0"/>
                 </a:endParaRPr>
@@ -5190,7 +5191,7 @@
             </p:txBody>
           </p:sp>
         </mc:Choice>
-        <mc:Fallback xmlns="">
+        <mc:Fallback>
           <p:sp>
             <p:nvSpPr>
               <p:cNvPr id="41" name="TextBox 40">
@@ -5208,7 +5209,7 @@
             <p:spPr>
               <a:xfrm>
                 <a:off x="9034726" y="2351926"/>
-                <a:ext cx="363882" cy="345523"/>
+                <a:ext cx="327461" cy="307777"/>
               </a:xfrm>
               <a:prstGeom prst="rect">
                 <a:avLst/>
@@ -5216,7 +5217,7 @@
               <a:blipFill>
                 <a:blip r:embed="rId10"/>
                 <a:stretch>
-                  <a:fillRect/>
+                  <a:fillRect l="-11111" r="-3704" b="-16000"/>
                 </a:stretch>
               </a:blipFill>
             </p:spPr>
@@ -5225,7 +5226,7 @@
               <a:lstStyle/>
               <a:p>
                 <a:r>
-                  <a:rPr lang="en-US">
+                  <a:rPr lang="en-GB">
                     <a:noFill/>
                   </a:rPr>
                   <a:t> </a:t>
@@ -5235,8 +5236,8 @@
           </p:sp>
         </mc:Fallback>
       </mc:AlternateContent>
-      <mc:AlternateContent xmlns:mc="http://schemas.openxmlformats.org/markup-compatibility/2006" xmlns:a14="http://schemas.microsoft.com/office/drawing/2010/main">
-        <mc:Choice Requires="a14">
+      <mc:AlternateContent xmlns:mc="http://schemas.openxmlformats.org/markup-compatibility/2006">
+        <mc:Choice xmlns:a14="http://schemas.microsoft.com/office/drawing/2010/main" Requires="a14">
           <p:sp>
             <p:nvSpPr>
               <p:cNvPr id="42" name="TextBox 41">
@@ -5252,7 +5253,7 @@
             <p:spPr>
               <a:xfrm>
                 <a:off x="9024885" y="3438547"/>
-                <a:ext cx="383565" cy="345523"/>
+                <a:ext cx="343492" cy="307777"/>
               </a:xfrm>
               <a:prstGeom prst="rect">
                 <a:avLst/>
@@ -5275,14 +5276,14 @@
                       <m:sSub>
                         <m:sSubPr>
                           <m:ctrlPr>
-                            <a:rPr lang="en-US" i="1" smtClean="0">
+                            <a:rPr lang="en-US" sz="2000" i="1" smtClean="0">
                               <a:latin typeface="Cambria Math" panose="02040503050406030204" pitchFamily="18" charset="0"/>
                             </a:rPr>
                           </m:ctrlPr>
                         </m:sSubPr>
                         <m:e>
                           <m:r>
-                            <a:rPr lang="en-US" b="0" i="1" smtClean="0">
+                            <a:rPr lang="en-US" sz="2000" b="0" i="1" smtClean="0">
                               <a:latin typeface="Cambria Math" panose="02040503050406030204" pitchFamily="18" charset="0"/>
                             </a:rPr>
                             <m:t>𝐶</m:t>
@@ -5290,7 +5291,7 @@
                         </m:e>
                         <m:sub>
                           <m:r>
-                            <a:rPr lang="en-US" b="0" i="1" smtClean="0">
+                            <a:rPr lang="en-US" sz="2000" b="0" i="1" smtClean="0">
                               <a:latin typeface="Cambria Math" panose="02040503050406030204" pitchFamily="18" charset="0"/>
                             </a:rPr>
                             <m:t>𝑛</m:t>
@@ -5300,7 +5301,7 @@
                     </m:oMath>
                   </m:oMathPara>
                 </a14:m>
-                <a:endParaRPr lang="en-US" dirty="0">
+                <a:endParaRPr lang="en-US" sz="2000" dirty="0">
                   <a:latin typeface="Arial" panose="020B0604020202020204" pitchFamily="34" charset="0"/>
                   <a:cs typeface="Arial" panose="020B0604020202020204" pitchFamily="34" charset="0"/>
                 </a:endParaRPr>
@@ -5308,7 +5309,7 @@
             </p:txBody>
           </p:sp>
         </mc:Choice>
-        <mc:Fallback xmlns="">
+        <mc:Fallback>
           <p:sp>
             <p:nvSpPr>
               <p:cNvPr id="42" name="TextBox 41">
@@ -5326,7 +5327,7 @@
             <p:spPr>
               <a:xfrm>
                 <a:off x="9024885" y="3438547"/>
-                <a:ext cx="383565" cy="345523"/>
+                <a:ext cx="343492" cy="307777"/>
               </a:xfrm>
               <a:prstGeom prst="rect">
                 <a:avLst/>
@@ -5334,7 +5335,7 @@
               <a:blipFill>
                 <a:blip r:embed="rId11"/>
                 <a:stretch>
-                  <a:fillRect l="-3226"/>
+                  <a:fillRect l="-14286" b="-8000"/>
                 </a:stretch>
               </a:blipFill>
             </p:spPr>
@@ -5343,7 +5344,7 @@
               <a:lstStyle/>
               <a:p>
                 <a:r>
-                  <a:rPr lang="en-US">
+                  <a:rPr lang="en-GB">
                     <a:noFill/>
                   </a:rPr>
                   <a:t> </a:t>
@@ -5367,8 +5368,8 @@
         </p:nvSpPr>
         <p:spPr>
           <a:xfrm>
-            <a:off x="2351938" y="4887979"/>
-            <a:ext cx="1427638" cy="1333937"/>
+            <a:off x="2341501" y="4829243"/>
+            <a:ext cx="1427638" cy="927608"/>
           </a:xfrm>
           <a:prstGeom prst="diamond">
             <a:avLst/>
@@ -5542,50 +5543,6 @@
       </p:cxnSp>
       <p:cxnSp>
         <p:nvCxnSpPr>
-          <p:cNvPr id="50" name="Straight Connector 49">
-            <a:extLst>
-              <a:ext uri="{FF2B5EF4-FFF2-40B4-BE49-F238E27FC236}">
-                <a16:creationId xmlns:a16="http://schemas.microsoft.com/office/drawing/2014/main" id="{5066E1EB-C189-46E2-999D-B4DC88E57CA9}"/>
-              </a:ext>
-            </a:extLst>
-          </p:cNvPr>
-          <p:cNvCxnSpPr>
-            <a:cxnSpLocks/>
-            <a:endCxn id="6" idx="0"/>
-          </p:cNvCxnSpPr>
-          <p:nvPr/>
-        </p:nvCxnSpPr>
-        <p:spPr>
-          <a:xfrm>
-            <a:off x="3055320" y="4591977"/>
-            <a:ext cx="10437" cy="296002"/>
-          </a:xfrm>
-          <a:prstGeom prst="line">
-            <a:avLst/>
-          </a:prstGeom>
-          <a:ln w="25400">
-            <a:solidFill>
-              <a:schemeClr val="tx1"/>
-            </a:solidFill>
-          </a:ln>
-        </p:spPr>
-        <p:style>
-          <a:lnRef idx="1">
-            <a:schemeClr val="accent1"/>
-          </a:lnRef>
-          <a:fillRef idx="0">
-            <a:schemeClr val="accent1"/>
-          </a:fillRef>
-          <a:effectRef idx="0">
-            <a:schemeClr val="accent1"/>
-          </a:effectRef>
-          <a:fontRef idx="minor">
-            <a:schemeClr val="tx1"/>
-          </a:fontRef>
-        </p:style>
-      </p:cxnSp>
-      <p:cxnSp>
-        <p:nvCxnSpPr>
           <p:cNvPr id="51" name="Connector: Elbow 50">
             <a:extLst>
               <a:ext uri="{FF2B5EF4-FFF2-40B4-BE49-F238E27FC236}">
@@ -5595,18 +5552,17 @@
           </p:cNvPr>
           <p:cNvCxnSpPr>
             <a:cxnSpLocks/>
-            <a:stCxn id="6" idx="1"/>
           </p:cNvCxnSpPr>
           <p:nvPr/>
         </p:nvCxnSpPr>
         <p:spPr>
           <a:xfrm rot="10800000">
-            <a:off x="1331306" y="4579670"/>
-            <a:ext cx="1020633" cy="975278"/>
+            <a:off x="1331309" y="4527378"/>
+            <a:ext cx="1726956" cy="1509745"/>
           </a:xfrm>
           <a:prstGeom prst="bentConnector3">
             <a:avLst>
-              <a:gd name="adj1" fmla="val 101195"/>
+              <a:gd name="adj1" fmla="val 99597"/>
             </a:avLst>
           </a:prstGeom>
           <a:ln w="25400">
@@ -5647,8 +5603,8 @@
             </p:nvSpPr>
             <p:spPr>
               <a:xfrm>
-                <a:off x="1338149" y="5221047"/>
-                <a:ext cx="1717171" cy="307776"/>
+                <a:off x="1482915" y="5637012"/>
+                <a:ext cx="1717171" cy="400110"/>
               </a:xfrm>
               <a:prstGeom prst="rect">
                 <a:avLst/>
@@ -5662,7 +5618,7 @@
               <a:lstStyle/>
               <a:p>
                 <a:r>
-                  <a:rPr lang="en-US" sz="1400" dirty="0">
+                  <a:rPr lang="en-US" sz="2000" dirty="0">
                     <a:latin typeface="Arial" panose="020B0604020202020204" pitchFamily="34" charset="0"/>
                     <a:cs typeface="Arial" panose="020B0604020202020204" pitchFamily="34" charset="0"/>
                   </a:rPr>
@@ -5671,7 +5627,7 @@
                 <a14:m>
                   <m:oMath xmlns:m="http://schemas.openxmlformats.org/officeDocument/2006/math">
                     <m:r>
-                      <a:rPr lang="en-US" sz="1400" b="0" i="1" smtClean="0">
+                      <a:rPr lang="en-US" sz="2000" b="0" i="1" smtClean="0">
                         <a:latin typeface="Cambria Math" panose="02040503050406030204" pitchFamily="18" charset="0"/>
                         <a:cs typeface="Arial" panose="020B0604020202020204" pitchFamily="34" charset="0"/>
                       </a:rPr>
@@ -5679,7 +5635,7 @@
                     </m:r>
                   </m:oMath>
                 </a14:m>
-                <a:endParaRPr lang="en-US" sz="1400" dirty="0">
+                <a:endParaRPr lang="en-US" sz="2000" dirty="0">
                   <a:latin typeface="Arial" panose="020B0604020202020204" pitchFamily="34" charset="0"/>
                   <a:cs typeface="Arial" panose="020B0604020202020204" pitchFamily="34" charset="0"/>
                 </a:endParaRPr>
@@ -5704,8 +5660,8 @@
             </p:nvSpPr>
             <p:spPr>
               <a:xfrm>
-                <a:off x="1338149" y="5221047"/>
-                <a:ext cx="1717171" cy="307776"/>
+                <a:off x="1482915" y="5637012"/>
+                <a:ext cx="1717171" cy="400110"/>
               </a:xfrm>
               <a:prstGeom prst="rect">
                 <a:avLst/>
@@ -5713,7 +5669,7 @@
               <a:blipFill>
                 <a:blip r:embed="rId12"/>
                 <a:stretch>
-                  <a:fillRect l="-730" b="-20000"/>
+                  <a:fillRect l="-3676" t="-9677" b="-25806"/>
                 </a:stretch>
               </a:blipFill>
             </p:spPr>
@@ -5722,7 +5678,7 @@
               <a:lstStyle/>
               <a:p>
                 <a:r>
-                  <a:rPr lang="en-US">
+                  <a:rPr lang="en-GB">
                     <a:noFill/>
                   </a:rPr>
                   <a:t> </a:t>
@@ -5776,8 +5732,8 @@
           </a:fontRef>
         </p:style>
       </p:cxnSp>
-      <mc:AlternateContent xmlns:mc="http://schemas.openxmlformats.org/markup-compatibility/2006" xmlns:a14="http://schemas.microsoft.com/office/drawing/2010/main">
-        <mc:Choice Requires="a14">
+      <mc:AlternateContent xmlns:mc="http://schemas.openxmlformats.org/markup-compatibility/2006">
+        <mc:Choice xmlns:a14="http://schemas.microsoft.com/office/drawing/2010/main" Requires="a14">
           <p:sp>
             <p:nvSpPr>
               <p:cNvPr id="44" name="TextBox 43">
@@ -5793,7 +5749,7 @@
             <p:spPr>
               <a:xfrm>
                 <a:off x="2864633" y="325775"/>
-                <a:ext cx="177228" cy="276999"/>
+                <a:ext cx="195695" cy="307777"/>
               </a:xfrm>
               <a:prstGeom prst="rect">
                 <a:avLst/>
@@ -5814,7 +5770,7 @@
                     </m:oMathParaPr>
                     <m:oMath xmlns:m="http://schemas.openxmlformats.org/officeDocument/2006/math">
                       <m:r>
-                        <a:rPr lang="en-US" b="0" i="1" smtClean="0">
+                        <a:rPr lang="en-US" sz="2000" b="0" i="1" smtClean="0">
                           <a:latin typeface="Cambria Math" panose="02040503050406030204" pitchFamily="18" charset="0"/>
                           <a:cs typeface="Arial" panose="020B0604020202020204" pitchFamily="34" charset="0"/>
                         </a:rPr>
@@ -5823,7 +5779,7 @@
                     </m:oMath>
                   </m:oMathPara>
                 </a14:m>
-                <a:endParaRPr lang="en-US" dirty="0">
+                <a:endParaRPr lang="en-US" sz="2000" dirty="0">
                   <a:latin typeface="Arial" panose="020B0604020202020204" pitchFamily="34" charset="0"/>
                   <a:cs typeface="Arial" panose="020B0604020202020204" pitchFamily="34" charset="0"/>
                 </a:endParaRPr>
@@ -5831,7 +5787,7 @@
             </p:txBody>
           </p:sp>
         </mc:Choice>
-        <mc:Fallback xmlns="">
+        <mc:Fallback>
           <p:sp>
             <p:nvSpPr>
               <p:cNvPr id="44" name="TextBox 43">
@@ -5849,7 +5805,7 @@
             <p:spPr>
               <a:xfrm>
                 <a:off x="2864633" y="325775"/>
-                <a:ext cx="177228" cy="276999"/>
+                <a:ext cx="195695" cy="307777"/>
               </a:xfrm>
               <a:prstGeom prst="rect">
                 <a:avLst/>
@@ -5857,7 +5813,7 @@
               <a:blipFill>
                 <a:blip r:embed="rId13"/>
                 <a:stretch>
-                  <a:fillRect l="-17241" r="-10345"/>
+                  <a:fillRect l="-12500" r="-6250"/>
                 </a:stretch>
               </a:blipFill>
             </p:spPr>
@@ -5866,7 +5822,7 @@
               <a:lstStyle/>
               <a:p>
                 <a:r>
-                  <a:rPr lang="en-US">
+                  <a:rPr lang="en-GB">
                     <a:noFill/>
                   </a:rPr>
                   <a:t> </a:t>
@@ -5888,14 +5844,13 @@
           <p:cNvCxnSpPr>
             <a:cxnSpLocks/>
             <a:stCxn id="52" idx="2"/>
-            <a:endCxn id="6" idx="3"/>
           </p:cNvCxnSpPr>
           <p:nvPr/>
         </p:nvCxnSpPr>
         <p:spPr>
           <a:xfrm rot="5400000">
-            <a:off x="5147213" y="3452771"/>
-            <a:ext cx="734540" cy="3469814"/>
+            <a:off x="4540626" y="3321644"/>
+            <a:ext cx="1210001" cy="4207529"/>
           </a:xfrm>
           <a:prstGeom prst="bentConnector2">
             <a:avLst/>
@@ -5904,6 +5859,94 @@
             <a:solidFill>
               <a:schemeClr val="tx1"/>
             </a:solidFill>
+          </a:ln>
+        </p:spPr>
+        <p:style>
+          <a:lnRef idx="1">
+            <a:schemeClr val="accent1"/>
+          </a:lnRef>
+          <a:fillRef idx="0">
+            <a:schemeClr val="accent1"/>
+          </a:fillRef>
+          <a:effectRef idx="0">
+            <a:schemeClr val="accent1"/>
+          </a:effectRef>
+          <a:fontRef idx="minor">
+            <a:schemeClr val="tx1"/>
+          </a:fontRef>
+        </p:style>
+      </p:cxnSp>
+      <p:cxnSp>
+        <p:nvCxnSpPr>
+          <p:cNvPr id="45" name="Straight Arrow Connector 44">
+            <a:extLst>
+              <a:ext uri="{FF2B5EF4-FFF2-40B4-BE49-F238E27FC236}">
+                <a16:creationId xmlns:a16="http://schemas.microsoft.com/office/drawing/2014/main" id="{F0E42584-7C1C-1440-9D16-8268B6244CCE}"/>
+              </a:ext>
+            </a:extLst>
+          </p:cNvPr>
+          <p:cNvCxnSpPr>
+            <a:cxnSpLocks/>
+          </p:cNvCxnSpPr>
+          <p:nvPr/>
+        </p:nvCxnSpPr>
+        <p:spPr>
+          <a:xfrm flipH="1">
+            <a:off x="3055320" y="4536212"/>
+            <a:ext cx="15207" cy="284196"/>
+          </a:xfrm>
+          <a:prstGeom prst="straightConnector1">
+            <a:avLst/>
+          </a:prstGeom>
+          <a:ln w="25400">
+            <a:solidFill>
+              <a:schemeClr val="tx1"/>
+            </a:solidFill>
+            <a:tailEnd type="triangle" w="lg" len="lg"/>
+          </a:ln>
+        </p:spPr>
+        <p:style>
+          <a:lnRef idx="1">
+            <a:schemeClr val="accent1"/>
+          </a:lnRef>
+          <a:fillRef idx="0">
+            <a:schemeClr val="accent1"/>
+          </a:fillRef>
+          <a:effectRef idx="0">
+            <a:schemeClr val="accent1"/>
+          </a:effectRef>
+          <a:fontRef idx="minor">
+            <a:schemeClr val="tx1"/>
+          </a:fontRef>
+        </p:style>
+      </p:cxnSp>
+      <p:cxnSp>
+        <p:nvCxnSpPr>
+          <p:cNvPr id="46" name="Straight Arrow Connector 45">
+            <a:extLst>
+              <a:ext uri="{FF2B5EF4-FFF2-40B4-BE49-F238E27FC236}">
+                <a16:creationId xmlns:a16="http://schemas.microsoft.com/office/drawing/2014/main" id="{6513B3EA-236E-8149-A312-1D6ACF46C1E6}"/>
+              </a:ext>
+            </a:extLst>
+          </p:cNvPr>
+          <p:cNvCxnSpPr>
+            <a:cxnSpLocks/>
+          </p:cNvCxnSpPr>
+          <p:nvPr/>
+        </p:nvCxnSpPr>
+        <p:spPr>
+          <a:xfrm flipH="1">
+            <a:off x="3043745" y="5763564"/>
+            <a:ext cx="19977" cy="266845"/>
+          </a:xfrm>
+          <a:prstGeom prst="straightConnector1">
+            <a:avLst/>
+          </a:prstGeom>
+          <a:ln w="25400">
+            <a:solidFill>
+              <a:schemeClr val="tx1"/>
+            </a:solidFill>
+            <a:tailEnd type="triangle" w="lg" len="lg"/>
           </a:ln>
         </p:spPr>
         <p:style>

--- a/camera_ready/figures/Algorithm_outline.pptx
+++ b/camera_ready/figures/Algorithm_outline.pptx
@@ -3446,8 +3446,8 @@
           </a:p>
         </p:txBody>
       </p:sp>
-      <mc:AlternateContent xmlns:mc="http://schemas.openxmlformats.org/markup-compatibility/2006">
-        <mc:Choice xmlns:a14="http://schemas.microsoft.com/office/drawing/2010/main" Requires="a14">
+      <mc:AlternateContent xmlns:mc="http://schemas.openxmlformats.org/markup-compatibility/2006" xmlns:a14="http://schemas.microsoft.com/office/drawing/2010/main">
+        <mc:Choice Requires="a14">
           <p:sp>
             <p:nvSpPr>
               <p:cNvPr id="16" name="TextBox 15">
@@ -3519,7 +3519,7 @@
             </p:txBody>
           </p:sp>
         </mc:Choice>
-        <mc:Fallback>
+        <mc:Fallback xmlns="">
           <p:sp>
             <p:nvSpPr>
               <p:cNvPr id="16" name="TextBox 15">
@@ -3827,8 +3827,8 @@
           </a:p>
         </p:txBody>
       </p:sp>
-      <mc:AlternateContent xmlns:mc="http://schemas.openxmlformats.org/markup-compatibility/2006">
-        <mc:Choice xmlns:a14="http://schemas.microsoft.com/office/drawing/2010/main" Requires="a14">
+      <mc:AlternateContent xmlns:mc="http://schemas.openxmlformats.org/markup-compatibility/2006" xmlns:a14="http://schemas.microsoft.com/office/drawing/2010/main">
+        <mc:Choice Requires="a14">
           <p:sp>
             <p:nvSpPr>
               <p:cNvPr id="56" name="TextBox 55">
@@ -3900,7 +3900,7 @@
             </p:txBody>
           </p:sp>
         </mc:Choice>
-        <mc:Fallback>
+        <mc:Fallback xmlns="">
           <p:sp>
             <p:nvSpPr>
               <p:cNvPr id="56" name="TextBox 55">
@@ -3945,8 +3945,8 @@
           </p:sp>
         </mc:Fallback>
       </mc:AlternateContent>
-      <mc:AlternateContent xmlns:mc="http://schemas.openxmlformats.org/markup-compatibility/2006">
-        <mc:Choice xmlns:a14="http://schemas.microsoft.com/office/drawing/2010/main" Requires="a14">
+      <mc:AlternateContent xmlns:mc="http://schemas.openxmlformats.org/markup-compatibility/2006" xmlns:a14="http://schemas.microsoft.com/office/drawing/2010/main">
+        <mc:Choice Requires="a14">
           <p:sp>
             <p:nvSpPr>
               <p:cNvPr id="58" name="TextBox 57">
@@ -4018,7 +4018,7 @@
             </p:txBody>
           </p:sp>
         </mc:Choice>
-        <mc:Fallback>
+        <mc:Fallback xmlns="">
           <p:sp>
             <p:nvSpPr>
               <p:cNvPr id="58" name="TextBox 57">
@@ -4063,8 +4063,8 @@
           </p:sp>
         </mc:Fallback>
       </mc:AlternateContent>
-      <mc:AlternateContent xmlns:mc="http://schemas.openxmlformats.org/markup-compatibility/2006">
-        <mc:Choice xmlns:a14="http://schemas.microsoft.com/office/drawing/2010/main" Requires="a14">
+      <mc:AlternateContent xmlns:mc="http://schemas.openxmlformats.org/markup-compatibility/2006" xmlns:a14="http://schemas.microsoft.com/office/drawing/2010/main">
+        <mc:Choice Requires="a14">
           <p:sp>
             <p:nvSpPr>
               <p:cNvPr id="67" name="TextBox 66">
@@ -4177,7 +4177,7 @@
             </p:txBody>
           </p:sp>
         </mc:Choice>
-        <mc:Fallback>
+        <mc:Fallback xmlns="">
           <p:sp>
             <p:nvSpPr>
               <p:cNvPr id="67" name="TextBox 66">
@@ -4310,8 +4310,8 @@
           </a:fontRef>
         </p:style>
       </p:cxnSp>
-      <mc:AlternateContent xmlns:mc="http://schemas.openxmlformats.org/markup-compatibility/2006">
-        <mc:Choice xmlns:a14="http://schemas.microsoft.com/office/drawing/2010/main" Requires="a14">
+      <mc:AlternateContent xmlns:mc="http://schemas.openxmlformats.org/markup-compatibility/2006" xmlns:a14="http://schemas.microsoft.com/office/drawing/2010/main">
+        <mc:Choice Requires="a14">
           <p:sp>
             <p:nvSpPr>
               <p:cNvPr id="93" name="TextBox 92">
@@ -4432,7 +4432,7 @@
             </p:txBody>
           </p:sp>
         </mc:Choice>
-        <mc:Fallback>
+        <mc:Fallback xmlns="">
           <p:sp>
             <p:nvSpPr>
               <p:cNvPr id="93" name="TextBox 92">
@@ -4477,8 +4477,8 @@
           </p:sp>
         </mc:Fallback>
       </mc:AlternateContent>
-      <mc:AlternateContent xmlns:mc="http://schemas.openxmlformats.org/markup-compatibility/2006">
-        <mc:Choice xmlns:a14="http://schemas.microsoft.com/office/drawing/2010/main" Requires="a14">
+      <mc:AlternateContent xmlns:mc="http://schemas.openxmlformats.org/markup-compatibility/2006" xmlns:a14="http://schemas.microsoft.com/office/drawing/2010/main">
+        <mc:Choice Requires="a14">
           <p:sp>
             <p:nvSpPr>
               <p:cNvPr id="97" name="TextBox 96">
@@ -4535,7 +4535,7 @@
             </p:txBody>
           </p:sp>
         </mc:Choice>
-        <mc:Fallback>
+        <mc:Fallback xmlns="">
           <p:sp>
             <p:nvSpPr>
               <p:cNvPr id="97" name="TextBox 96">
@@ -4624,8 +4624,8 @@
           </a:fontRef>
         </p:style>
       </p:cxnSp>
-      <mc:AlternateContent xmlns:mc="http://schemas.openxmlformats.org/markup-compatibility/2006">
-        <mc:Choice xmlns:a14="http://schemas.microsoft.com/office/drawing/2010/main" Requires="a14">
+      <mc:AlternateContent xmlns:mc="http://schemas.openxmlformats.org/markup-compatibility/2006" xmlns:a14="http://schemas.microsoft.com/office/drawing/2010/main">
+        <mc:Choice Requires="a14">
           <p:sp>
             <p:nvSpPr>
               <p:cNvPr id="99" name="TextBox 98">
@@ -4746,7 +4746,7 @@
             </p:txBody>
           </p:sp>
         </mc:Choice>
-        <mc:Fallback>
+        <mc:Fallback xmlns="">
           <p:sp>
             <p:nvSpPr>
               <p:cNvPr id="99" name="TextBox 98">
@@ -4962,8 +4962,8 @@
           </a:fontRef>
         </p:style>
       </p:cxnSp>
-      <mc:AlternateContent xmlns:mc="http://schemas.openxmlformats.org/markup-compatibility/2006">
-        <mc:Choice xmlns:a14="http://schemas.microsoft.com/office/drawing/2010/main" Requires="a14">
+      <mc:AlternateContent xmlns:mc="http://schemas.openxmlformats.org/markup-compatibility/2006" xmlns:a14="http://schemas.microsoft.com/office/drawing/2010/main">
+        <mc:Choice Requires="a14">
           <p:sp>
             <p:nvSpPr>
               <p:cNvPr id="37" name="TextBox 36">
@@ -5035,7 +5035,7 @@
             </p:txBody>
           </p:sp>
         </mc:Choice>
-        <mc:Fallback>
+        <mc:Fallback xmlns="">
           <p:sp>
             <p:nvSpPr>
               <p:cNvPr id="37" name="TextBox 36">
@@ -5118,8 +5118,8 @@
           </a:p>
         </p:txBody>
       </p:sp>
-      <mc:AlternateContent xmlns:mc="http://schemas.openxmlformats.org/markup-compatibility/2006">
-        <mc:Choice xmlns:a14="http://schemas.microsoft.com/office/drawing/2010/main" Requires="a14">
+      <mc:AlternateContent xmlns:mc="http://schemas.openxmlformats.org/markup-compatibility/2006" xmlns:a14="http://schemas.microsoft.com/office/drawing/2010/main">
+        <mc:Choice Requires="a14">
           <p:sp>
             <p:nvSpPr>
               <p:cNvPr id="41" name="TextBox 40">
@@ -5191,7 +5191,7 @@
             </p:txBody>
           </p:sp>
         </mc:Choice>
-        <mc:Fallback>
+        <mc:Fallback xmlns="">
           <p:sp>
             <p:nvSpPr>
               <p:cNvPr id="41" name="TextBox 40">
@@ -5236,8 +5236,8 @@
           </p:sp>
         </mc:Fallback>
       </mc:AlternateContent>
-      <mc:AlternateContent xmlns:mc="http://schemas.openxmlformats.org/markup-compatibility/2006">
-        <mc:Choice xmlns:a14="http://schemas.microsoft.com/office/drawing/2010/main" Requires="a14">
+      <mc:AlternateContent xmlns:mc="http://schemas.openxmlformats.org/markup-compatibility/2006" xmlns:a14="http://schemas.microsoft.com/office/drawing/2010/main">
+        <mc:Choice Requires="a14">
           <p:sp>
             <p:nvSpPr>
               <p:cNvPr id="42" name="TextBox 41">
@@ -5309,7 +5309,7 @@
             </p:txBody>
           </p:sp>
         </mc:Choice>
-        <mc:Fallback>
+        <mc:Fallback xmlns="">
           <p:sp>
             <p:nvSpPr>
               <p:cNvPr id="42" name="TextBox 41">
@@ -5587,8 +5587,8 @@
           </a:fontRef>
         </p:style>
       </p:cxnSp>
-      <mc:AlternateContent xmlns:mc="http://schemas.openxmlformats.org/markup-compatibility/2006">
-        <mc:Choice xmlns:a14="http://schemas.microsoft.com/office/drawing/2010/main" Requires="a14">
+      <mc:AlternateContent xmlns:mc="http://schemas.openxmlformats.org/markup-compatibility/2006" xmlns:a14="http://schemas.microsoft.com/office/drawing/2010/main">
+        <mc:Choice Requires="a14">
           <p:sp>
             <p:nvSpPr>
               <p:cNvPr id="18" name="TextBox 17">
@@ -5643,7 +5643,7 @@
             </p:txBody>
           </p:sp>
         </mc:Choice>
-        <mc:Fallback>
+        <mc:Fallback xmlns="">
           <p:sp>
             <p:nvSpPr>
               <p:cNvPr id="18" name="TextBox 17">
@@ -5732,8 +5732,8 @@
           </a:fontRef>
         </p:style>
       </p:cxnSp>
-      <mc:AlternateContent xmlns:mc="http://schemas.openxmlformats.org/markup-compatibility/2006">
-        <mc:Choice xmlns:a14="http://schemas.microsoft.com/office/drawing/2010/main" Requires="a14">
+      <mc:AlternateContent xmlns:mc="http://schemas.openxmlformats.org/markup-compatibility/2006" xmlns:a14="http://schemas.microsoft.com/office/drawing/2010/main">
+        <mc:Choice Requires="a14">
           <p:sp>
             <p:nvSpPr>
               <p:cNvPr id="44" name="TextBox 43">
@@ -5787,7 +5787,7 @@
             </p:txBody>
           </p:sp>
         </mc:Choice>
-        <mc:Fallback>
+        <mc:Fallback xmlns="">
           <p:sp>
             <p:nvSpPr>
               <p:cNvPr id="44" name="TextBox 43">
